--- a/resource/主成分分析(PCA).pptx
+++ b/resource/主成分分析(PCA).pptx
@@ -284,7 +284,7 @@
           <a:p>
             <a:fld id="{3884522C-0D67-465A-8E16-15961EC32B58}" type="datetimeFigureOut">
               <a:rPr kumimoji="1" lang="ja-JP" altLang="en-US" smtClean="0"/>
-              <a:t>2022/5/21</a:t>
+              <a:t>2023/10/3</a:t>
             </a:fld>
             <a:endParaRPr kumimoji="1" lang="ja-JP" altLang="en-US"/>
           </a:p>
@@ -514,7 +514,7 @@
           <a:p>
             <a:fld id="{3884522C-0D67-465A-8E16-15961EC32B58}" type="datetimeFigureOut">
               <a:rPr kumimoji="1" lang="ja-JP" altLang="en-US" smtClean="0"/>
-              <a:t>2022/5/21</a:t>
+              <a:t>2023/10/3</a:t>
             </a:fld>
             <a:endParaRPr kumimoji="1" lang="ja-JP" altLang="en-US"/>
           </a:p>
@@ -754,7 +754,7 @@
           <a:p>
             <a:fld id="{3884522C-0D67-465A-8E16-15961EC32B58}" type="datetimeFigureOut">
               <a:rPr kumimoji="1" lang="ja-JP" altLang="en-US" smtClean="0"/>
-              <a:t>2022/5/21</a:t>
+              <a:t>2023/10/3</a:t>
             </a:fld>
             <a:endParaRPr kumimoji="1" lang="ja-JP" altLang="en-US"/>
           </a:p>
@@ -984,7 +984,7 @@
           <a:p>
             <a:fld id="{3884522C-0D67-465A-8E16-15961EC32B58}" type="datetimeFigureOut">
               <a:rPr kumimoji="1" lang="ja-JP" altLang="en-US" smtClean="0"/>
-              <a:t>2022/5/21</a:t>
+              <a:t>2023/10/3</a:t>
             </a:fld>
             <a:endParaRPr kumimoji="1" lang="ja-JP" altLang="en-US"/>
           </a:p>
@@ -1259,7 +1259,7 @@
           <a:p>
             <a:fld id="{3884522C-0D67-465A-8E16-15961EC32B58}" type="datetimeFigureOut">
               <a:rPr kumimoji="1" lang="ja-JP" altLang="en-US" smtClean="0"/>
-              <a:t>2022/5/21</a:t>
+              <a:t>2023/10/3</a:t>
             </a:fld>
             <a:endParaRPr kumimoji="1" lang="ja-JP" altLang="en-US"/>
           </a:p>
@@ -1588,7 +1588,7 @@
           <a:p>
             <a:fld id="{3884522C-0D67-465A-8E16-15961EC32B58}" type="datetimeFigureOut">
               <a:rPr kumimoji="1" lang="ja-JP" altLang="en-US" smtClean="0"/>
-              <a:t>2022/5/21</a:t>
+              <a:t>2023/10/3</a:t>
             </a:fld>
             <a:endParaRPr kumimoji="1" lang="ja-JP" altLang="en-US"/>
           </a:p>
@@ -2064,7 +2064,7 @@
           <a:p>
             <a:fld id="{3884522C-0D67-465A-8E16-15961EC32B58}" type="datetimeFigureOut">
               <a:rPr kumimoji="1" lang="ja-JP" altLang="en-US" smtClean="0"/>
-              <a:t>2022/5/21</a:t>
+              <a:t>2023/10/3</a:t>
             </a:fld>
             <a:endParaRPr kumimoji="1" lang="ja-JP" altLang="en-US"/>
           </a:p>
@@ -2205,7 +2205,7 @@
           <a:p>
             <a:fld id="{3884522C-0D67-465A-8E16-15961EC32B58}" type="datetimeFigureOut">
               <a:rPr kumimoji="1" lang="ja-JP" altLang="en-US" smtClean="0"/>
-              <a:t>2022/5/21</a:t>
+              <a:t>2023/10/3</a:t>
             </a:fld>
             <a:endParaRPr kumimoji="1" lang="ja-JP" altLang="en-US"/>
           </a:p>
@@ -2318,7 +2318,7 @@
           <a:p>
             <a:fld id="{3884522C-0D67-465A-8E16-15961EC32B58}" type="datetimeFigureOut">
               <a:rPr kumimoji="1" lang="ja-JP" altLang="en-US" smtClean="0"/>
-              <a:t>2022/5/21</a:t>
+              <a:t>2023/10/3</a:t>
             </a:fld>
             <a:endParaRPr kumimoji="1" lang="ja-JP" altLang="en-US"/>
           </a:p>
@@ -2661,7 +2661,7 @@
           <a:p>
             <a:fld id="{3884522C-0D67-465A-8E16-15961EC32B58}" type="datetimeFigureOut">
               <a:rPr kumimoji="1" lang="ja-JP" altLang="en-US" smtClean="0"/>
-              <a:t>2022/5/21</a:t>
+              <a:t>2023/10/3</a:t>
             </a:fld>
             <a:endParaRPr kumimoji="1" lang="ja-JP" altLang="en-US"/>
           </a:p>
@@ -2949,7 +2949,7 @@
           <a:p>
             <a:fld id="{3884522C-0D67-465A-8E16-15961EC32B58}" type="datetimeFigureOut">
               <a:rPr kumimoji="1" lang="ja-JP" altLang="en-US" smtClean="0"/>
-              <a:t>2022/5/21</a:t>
+              <a:t>2023/10/3</a:t>
             </a:fld>
             <a:endParaRPr kumimoji="1" lang="ja-JP" altLang="en-US"/>
           </a:p>
@@ -3222,7 +3222,7 @@
           <a:p>
             <a:fld id="{3884522C-0D67-465A-8E16-15961EC32B58}" type="datetimeFigureOut">
               <a:rPr kumimoji="1" lang="ja-JP" altLang="en-US" smtClean="0"/>
-              <a:t>2022/5/21</a:t>
+              <a:t>2023/10/3</a:t>
             </a:fld>
             <a:endParaRPr kumimoji="1" lang="ja-JP" altLang="en-US"/>
           </a:p>
@@ -8632,8 +8632,8 @@
           </p:style>
         </p:cxnSp>
       </p:grpSp>
-      <mc:AlternateContent xmlns:mc="http://schemas.openxmlformats.org/markup-compatibility/2006">
-        <mc:Choice xmlns:a14="http://schemas.microsoft.com/office/drawing/2010/main" Requires="a14">
+      <mc:AlternateContent xmlns:mc="http://schemas.openxmlformats.org/markup-compatibility/2006" xmlns:a14="http://schemas.microsoft.com/office/drawing/2010/main">
+        <mc:Choice Requires="a14">
           <p:sp>
             <p:nvSpPr>
               <p:cNvPr id="34" name="テキスト ボックス 33">
@@ -8792,7 +8792,7 @@
             </p:txBody>
           </p:sp>
         </mc:Choice>
-        <mc:Fallback>
+        <mc:Fallback xmlns="">
           <p:sp>
             <p:nvSpPr>
               <p:cNvPr id="34" name="テキスト ボックス 33">
@@ -16745,6 +16745,42 @@
               <a:rPr kumimoji="1" lang="ja-JP" altLang="en-US"/>
               <a:t>　その軸への射影をデータとする</a:t>
             </a:r>
+          </a:p>
+        </p:txBody>
+      </p:sp>
+      <p:sp>
+        <p:nvSpPr>
+          <p:cNvPr id="4" name="テキスト ボックス 3">
+            <a:extLst>
+              <a:ext uri="{FF2B5EF4-FFF2-40B4-BE49-F238E27FC236}">
+                <a16:creationId xmlns:a16="http://schemas.microsoft.com/office/drawing/2014/main" id="{A0859D2A-F3D1-CEE0-EB9E-5B99EC11E88F}"/>
+              </a:ext>
+            </a:extLst>
+          </p:cNvPr>
+          <p:cNvSpPr txBox="1"/>
+          <p:nvPr/>
+        </p:nvSpPr>
+        <p:spPr>
+          <a:xfrm flipH="1">
+            <a:off x="6672942" y="6492875"/>
+            <a:ext cx="4996544" cy="261610"/>
+          </a:xfrm>
+          <a:prstGeom prst="rect">
+            <a:avLst/>
+          </a:prstGeom>
+          <a:noFill/>
+        </p:spPr>
+        <p:txBody>
+          <a:bodyPr wrap="square" rtlCol="0">
+            <a:spAutoFit/>
+          </a:bodyPr>
+          <a:lstStyle/>
+          <a:p>
+            <a:r>
+              <a:rPr kumimoji="1" lang="en-US" altLang="ja-JP" sz="1100"/>
+              <a:t>https://recruit.cct-inc.co.jp/tecblog/machine-learning/pca-kaisetsu/</a:t>
+            </a:r>
+            <a:endParaRPr kumimoji="1" lang="ja-JP" altLang="en-US" sz="1100" dirty="0"/>
           </a:p>
         </p:txBody>
       </p:sp>
